--- a/LukeAsian.pptx
+++ b/LukeAsian.pptx
@@ -104,6 +104,11 @@
       </a:defRPr>
     </a:lvl9pPr>
   </p:defaultTextStyle>
+  <p:extLst>
+    <p:ext uri="{EFAFB233-063F-42B5-8137-9DF3F51BA10A}">
+      <p15:sldGuideLst xmlns:p15="http://schemas.microsoft.com/office/powerpoint/2012/main"/>
+    </p:ext>
+  </p:extLst>
 </p:presentation>
 </file>
 
@@ -238,7 +243,7 @@
           <a:p>
             <a:fld id="{60068E56-3E1F-42F0-B04B-0166D0D1C64D}" type="datetimeFigureOut">
               <a:rPr lang="en-AU" smtClean="0"/>
-              <a:t>21/11/2017</a:t>
+              <a:t>22/11/2017</a:t>
             </a:fld>
             <a:endParaRPr lang="en-AU"/>
           </a:p>
@@ -408,7 +413,7 @@
           <a:p>
             <a:fld id="{60068E56-3E1F-42F0-B04B-0166D0D1C64D}" type="datetimeFigureOut">
               <a:rPr lang="en-AU" smtClean="0"/>
-              <a:t>21/11/2017</a:t>
+              <a:t>22/11/2017</a:t>
             </a:fld>
             <a:endParaRPr lang="en-AU"/>
           </a:p>
@@ -588,7 +593,7 @@
           <a:p>
             <a:fld id="{60068E56-3E1F-42F0-B04B-0166D0D1C64D}" type="datetimeFigureOut">
               <a:rPr lang="en-AU" smtClean="0"/>
-              <a:t>21/11/2017</a:t>
+              <a:t>22/11/2017</a:t>
             </a:fld>
             <a:endParaRPr lang="en-AU"/>
           </a:p>
@@ -758,7 +763,7 @@
           <a:p>
             <a:fld id="{60068E56-3E1F-42F0-B04B-0166D0D1C64D}" type="datetimeFigureOut">
               <a:rPr lang="en-AU" smtClean="0"/>
-              <a:t>21/11/2017</a:t>
+              <a:t>22/11/2017</a:t>
             </a:fld>
             <a:endParaRPr lang="en-AU"/>
           </a:p>
@@ -1004,7 +1009,7 @@
           <a:p>
             <a:fld id="{60068E56-3E1F-42F0-B04B-0166D0D1C64D}" type="datetimeFigureOut">
               <a:rPr lang="en-AU" smtClean="0"/>
-              <a:t>21/11/2017</a:t>
+              <a:t>22/11/2017</a:t>
             </a:fld>
             <a:endParaRPr lang="en-AU"/>
           </a:p>
@@ -1236,7 +1241,7 @@
           <a:p>
             <a:fld id="{60068E56-3E1F-42F0-B04B-0166D0D1C64D}" type="datetimeFigureOut">
               <a:rPr lang="en-AU" smtClean="0"/>
-              <a:t>21/11/2017</a:t>
+              <a:t>22/11/2017</a:t>
             </a:fld>
             <a:endParaRPr lang="en-AU"/>
           </a:p>
@@ -1603,7 +1608,7 @@
           <a:p>
             <a:fld id="{60068E56-3E1F-42F0-B04B-0166D0D1C64D}" type="datetimeFigureOut">
               <a:rPr lang="en-AU" smtClean="0"/>
-              <a:t>21/11/2017</a:t>
+              <a:t>22/11/2017</a:t>
             </a:fld>
             <a:endParaRPr lang="en-AU"/>
           </a:p>
@@ -1721,7 +1726,7 @@
           <a:p>
             <a:fld id="{60068E56-3E1F-42F0-B04B-0166D0D1C64D}" type="datetimeFigureOut">
               <a:rPr lang="en-AU" smtClean="0"/>
-              <a:t>21/11/2017</a:t>
+              <a:t>22/11/2017</a:t>
             </a:fld>
             <a:endParaRPr lang="en-AU"/>
           </a:p>
@@ -1816,7 +1821,7 @@
           <a:p>
             <a:fld id="{60068E56-3E1F-42F0-B04B-0166D0D1C64D}" type="datetimeFigureOut">
               <a:rPr lang="en-AU" smtClean="0"/>
-              <a:t>21/11/2017</a:t>
+              <a:t>22/11/2017</a:t>
             </a:fld>
             <a:endParaRPr lang="en-AU"/>
           </a:p>
@@ -2093,7 +2098,7 @@
           <a:p>
             <a:fld id="{60068E56-3E1F-42F0-B04B-0166D0D1C64D}" type="datetimeFigureOut">
               <a:rPr lang="en-AU" smtClean="0"/>
-              <a:t>21/11/2017</a:t>
+              <a:t>22/11/2017</a:t>
             </a:fld>
             <a:endParaRPr lang="en-AU"/>
           </a:p>
@@ -2346,7 +2351,7 @@
           <a:p>
             <a:fld id="{60068E56-3E1F-42F0-B04B-0166D0D1C64D}" type="datetimeFigureOut">
               <a:rPr lang="en-AU" smtClean="0"/>
-              <a:t>21/11/2017</a:t>
+              <a:t>22/11/2017</a:t>
             </a:fld>
             <a:endParaRPr lang="en-AU"/>
           </a:p>
@@ -2559,7 +2564,7 @@
           <a:p>
             <a:fld id="{60068E56-3E1F-42F0-B04B-0166D0D1C64D}" type="datetimeFigureOut">
               <a:rPr lang="en-AU" smtClean="0"/>
-              <a:t>21/11/2017</a:t>
+              <a:t>22/11/2017</a:t>
             </a:fld>
             <a:endParaRPr lang="en-AU"/>
           </a:p>
@@ -2950,6 +2955,20 @@
 <file path=ppt/slides/slide1.xml><?xml version="1.0" encoding="utf-8"?>
 <p:sld xmlns:a="http://schemas.openxmlformats.org/drawingml/2006/main" xmlns:r="http://schemas.openxmlformats.org/officeDocument/2006/relationships" xmlns:p="http://schemas.openxmlformats.org/presentationml/2006/main">
   <p:cSld>
+    <p:bg>
+      <p:bgPr>
+        <a:blipFill dpi="0" rotWithShape="1">
+          <a:blip r:embed="rId2">
+            <a:lum/>
+          </a:blip>
+          <a:srcRect/>
+          <a:stretch>
+            <a:fillRect t="-3000" b="-3000"/>
+          </a:stretch>
+        </a:blipFill>
+        <a:effectLst/>
+      </p:bgPr>
+    </p:bg>
     <p:spTree>
       <p:nvGrpSpPr>
         <p:cNvPr id="1" name=""/>
@@ -2966,6 +2985,57 @@
       </p:grpSpPr>
       <p:sp>
         <p:nvSpPr>
+          <p:cNvPr id="9" name="Down Ribbon 8"/>
+          <p:cNvSpPr/>
+          <p:nvPr/>
+        </p:nvSpPr>
+        <p:spPr>
+          <a:xfrm>
+            <a:off x="2314158" y="1124053"/>
+            <a:ext cx="7726019" cy="3209235"/>
+          </a:xfrm>
+          <a:prstGeom prst="ribbon">
+            <a:avLst/>
+          </a:prstGeom>
+          <a:solidFill>
+            <a:srgbClr val="A6190A"/>
+          </a:solidFill>
+          <a:ln w="44450" cap="sq" cmpd="tri">
+            <a:solidFill>
+              <a:srgbClr val="FF0000"/>
+            </a:solidFill>
+            <a:prstDash val="lgDashDotDot"/>
+            <a:miter lim="800000"/>
+            <a:tailEnd w="sm" len="sm"/>
+          </a:ln>
+        </p:spPr>
+        <p:style>
+          <a:lnRef idx="2">
+            <a:schemeClr val="accent1">
+              <a:shade val="50000"/>
+            </a:schemeClr>
+          </a:lnRef>
+          <a:fillRef idx="1">
+            <a:schemeClr val="accent1"/>
+          </a:fillRef>
+          <a:effectRef idx="0">
+            <a:schemeClr val="accent1"/>
+          </a:effectRef>
+          <a:fontRef idx="minor">
+            <a:schemeClr val="lt1"/>
+          </a:fontRef>
+        </p:style>
+        <p:txBody>
+          <a:bodyPr rtlCol="0" anchor="ctr"/>
+          <a:lstStyle/>
+          <a:p>
+            <a:pPr algn="ctr"/>
+            <a:endParaRPr lang="en-AU"/>
+          </a:p>
+        </p:txBody>
+      </p:sp>
+      <p:sp>
+        <p:nvSpPr>
           <p:cNvPr id="2" name="Title 1"/>
           <p:cNvSpPr>
             <a:spLocks noGrp="1"/>
@@ -2974,39 +3044,387 @@
             <p:ph type="ctrTitle"/>
           </p:nvPr>
         </p:nvSpPr>
-        <p:spPr/>
+        <p:spPr>
+          <a:xfrm>
+            <a:off x="4379288" y="2493100"/>
+            <a:ext cx="3595757" cy="1840188"/>
+          </a:xfrm>
+        </p:spPr>
+        <p:txBody>
+          <a:bodyPr>
+            <a:normAutofit fontScale="90000"/>
+          </a:bodyPr>
+          <a:lstStyle/>
+          <a:p>
+            <a:r>
+              <a:rPr lang="en-AU" sz="4000" i="1" dirty="0" smtClean="0">
+                <a:solidFill>
+                  <a:schemeClr val="bg1">
+                    <a:lumMod val="85000"/>
+                  </a:schemeClr>
+                </a:solidFill>
+                <a:latin typeface="Adobe Garamond Pro" panose="02020502060506020403" pitchFamily="18" charset="0"/>
+                <a:cs typeface="Narkisim" panose="020E0502050101010101" pitchFamily="34" charset="-79"/>
+              </a:rPr>
+              <a:t>Japan, its Relations and </a:t>
+            </a:r>
+            <a:r>
+              <a:rPr lang="en-AU" sz="4000" i="1" dirty="0">
+                <a:solidFill>
+                  <a:schemeClr val="bg1">
+                    <a:lumMod val="85000"/>
+                  </a:schemeClr>
+                </a:solidFill>
+                <a:latin typeface="Adobe Garamond Pro" panose="02020502060506020403" pitchFamily="18" charset="0"/>
+                <a:cs typeface="Narkisim" panose="020E0502050101010101" pitchFamily="34" charset="-79"/>
+              </a:rPr>
+              <a:t>i</a:t>
+            </a:r>
+            <a:r>
+              <a:rPr lang="en-AU" sz="4000" i="1" dirty="0" smtClean="0">
+                <a:solidFill>
+                  <a:schemeClr val="bg1">
+                    <a:lumMod val="85000"/>
+                  </a:schemeClr>
+                </a:solidFill>
+                <a:latin typeface="Adobe Garamond Pro" panose="02020502060506020403" pitchFamily="18" charset="0"/>
+                <a:cs typeface="Narkisim" panose="020E0502050101010101" pitchFamily="34" charset="-79"/>
+              </a:rPr>
+              <a:t>ts Culture, and How </a:t>
+            </a:r>
+            <a:r>
+              <a:rPr lang="en-AU" sz="4000" i="1" dirty="0" smtClean="0">
+                <a:solidFill>
+                  <a:schemeClr val="bg1">
+                    <a:lumMod val="85000"/>
+                  </a:schemeClr>
+                </a:solidFill>
+                <a:latin typeface="Adobe Garamond Pro" panose="02020502060506020403" pitchFamily="18" charset="0"/>
+                <a:cs typeface="Narkisim" panose="020E0502050101010101" pitchFamily="34" charset="-79"/>
+              </a:rPr>
+              <a:t>These Factors</a:t>
+            </a:r>
+            <a:r>
+              <a:rPr lang="en-AU" sz="4000" i="1" dirty="0" smtClean="0">
+                <a:solidFill>
+                  <a:schemeClr val="bg1">
+                    <a:lumMod val="85000"/>
+                  </a:schemeClr>
+                </a:solidFill>
+                <a:latin typeface="Adobe Garamond Pro" panose="02020502060506020403" pitchFamily="18" charset="0"/>
+                <a:cs typeface="Narkisim" panose="020E0502050101010101" pitchFamily="34" charset="-79"/>
+              </a:rPr>
+              <a:t> Affect Each Other.</a:t>
+            </a:r>
+            <a:endParaRPr lang="en-AU" sz="4000" i="1" dirty="0">
+              <a:solidFill>
+                <a:schemeClr val="bg1">
+                  <a:lumMod val="85000"/>
+                </a:schemeClr>
+              </a:solidFill>
+              <a:latin typeface="Adobe Garamond Pro" panose="02020502060506020403" pitchFamily="18" charset="0"/>
+              <a:cs typeface="Narkisim" panose="020E0502050101010101" pitchFamily="34" charset="-79"/>
+            </a:endParaRPr>
+          </a:p>
+        </p:txBody>
+      </p:sp>
+      <p:sp>
+        <p:nvSpPr>
+          <p:cNvPr id="7" name="Freeform 6"/>
+          <p:cNvSpPr/>
+          <p:nvPr/>
+        </p:nvSpPr>
+        <p:spPr>
+          <a:xfrm>
+            <a:off x="-101600" y="0"/>
+            <a:ext cx="12331700" cy="6934200"/>
+          </a:xfrm>
+          <a:custGeom>
+            <a:avLst/>
+            <a:gdLst>
+              <a:gd name="connsiteX0" fmla="*/ 101600 w 12331700"/>
+              <a:gd name="connsiteY0" fmla="*/ 0 h 6934200"/>
+              <a:gd name="connsiteX1" fmla="*/ 12306300 w 12331700"/>
+              <a:gd name="connsiteY1" fmla="*/ 0 h 6934200"/>
+              <a:gd name="connsiteX2" fmla="*/ 12331700 w 12331700"/>
+              <a:gd name="connsiteY2" fmla="*/ 6934200 h 6934200"/>
+              <a:gd name="connsiteX3" fmla="*/ 6985000 w 12331700"/>
+              <a:gd name="connsiteY3" fmla="*/ 6896100 h 6934200"/>
+              <a:gd name="connsiteX4" fmla="*/ 7797800 w 12331700"/>
+              <a:gd name="connsiteY4" fmla="*/ 6121400 h 6934200"/>
+              <a:gd name="connsiteX5" fmla="*/ 7886700 w 12331700"/>
+              <a:gd name="connsiteY5" fmla="*/ 4686300 h 6934200"/>
+              <a:gd name="connsiteX6" fmla="*/ 9474200 w 12331700"/>
+              <a:gd name="connsiteY6" fmla="*/ 5054600 h 6934200"/>
+              <a:gd name="connsiteX7" fmla="*/ 11137900 w 12331700"/>
+              <a:gd name="connsiteY7" fmla="*/ 3073400 h 6934200"/>
+              <a:gd name="connsiteX8" fmla="*/ 10985500 w 12331700"/>
+              <a:gd name="connsiteY8" fmla="*/ 1841500 h 6934200"/>
+              <a:gd name="connsiteX9" fmla="*/ 11366500 w 12331700"/>
+              <a:gd name="connsiteY9" fmla="*/ 800100 h 6934200"/>
+              <a:gd name="connsiteX10" fmla="*/ 9537700 w 12331700"/>
+              <a:gd name="connsiteY10" fmla="*/ 584200 h 6934200"/>
+              <a:gd name="connsiteX11" fmla="*/ 8382000 w 12331700"/>
+              <a:gd name="connsiteY11" fmla="*/ 990600 h 6934200"/>
+              <a:gd name="connsiteX12" fmla="*/ 4318000 w 12331700"/>
+              <a:gd name="connsiteY12" fmla="*/ 444500 h 6934200"/>
+              <a:gd name="connsiteX13" fmla="*/ 2362200 w 12331700"/>
+              <a:gd name="connsiteY13" fmla="*/ 1016000 h 6934200"/>
+              <a:gd name="connsiteX14" fmla="*/ 1320800 w 12331700"/>
+              <a:gd name="connsiteY14" fmla="*/ 2095500 h 6934200"/>
+              <a:gd name="connsiteX15" fmla="*/ 1866900 w 12331700"/>
+              <a:gd name="connsiteY15" fmla="*/ 3517900 h 6934200"/>
+              <a:gd name="connsiteX16" fmla="*/ 1168400 w 12331700"/>
+              <a:gd name="connsiteY16" fmla="*/ 4025900 h 6934200"/>
+              <a:gd name="connsiteX17" fmla="*/ 2489200 w 12331700"/>
+              <a:gd name="connsiteY17" fmla="*/ 4953000 h 6934200"/>
+              <a:gd name="connsiteX18" fmla="*/ 3403600 w 12331700"/>
+              <a:gd name="connsiteY18" fmla="*/ 4457700 h 6934200"/>
+              <a:gd name="connsiteX19" fmla="*/ 5181600 w 12331700"/>
+              <a:gd name="connsiteY19" fmla="*/ 5105400 h 6934200"/>
+              <a:gd name="connsiteX20" fmla="*/ 5575300 w 12331700"/>
+              <a:gd name="connsiteY20" fmla="*/ 5918200 h 6934200"/>
+              <a:gd name="connsiteX21" fmla="*/ 6197600 w 12331700"/>
+              <a:gd name="connsiteY21" fmla="*/ 6083300 h 6934200"/>
+              <a:gd name="connsiteX22" fmla="*/ 6896100 w 12331700"/>
+              <a:gd name="connsiteY22" fmla="*/ 6807200 h 6934200"/>
+              <a:gd name="connsiteX23" fmla="*/ 6756400 w 12331700"/>
+              <a:gd name="connsiteY23" fmla="*/ 6870700 h 6934200"/>
+              <a:gd name="connsiteX24" fmla="*/ 0 w 12331700"/>
+              <a:gd name="connsiteY24" fmla="*/ 6921500 h 6934200"/>
+              <a:gd name="connsiteX25" fmla="*/ 101600 w 12331700"/>
+              <a:gd name="connsiteY25" fmla="*/ 0 h 6934200"/>
+            </a:gdLst>
+            <a:ahLst/>
+            <a:cxnLst>
+              <a:cxn ang="0">
+                <a:pos x="connsiteX0" y="connsiteY0"/>
+              </a:cxn>
+              <a:cxn ang="0">
+                <a:pos x="connsiteX1" y="connsiteY1"/>
+              </a:cxn>
+              <a:cxn ang="0">
+                <a:pos x="connsiteX2" y="connsiteY2"/>
+              </a:cxn>
+              <a:cxn ang="0">
+                <a:pos x="connsiteX3" y="connsiteY3"/>
+              </a:cxn>
+              <a:cxn ang="0">
+                <a:pos x="connsiteX4" y="connsiteY4"/>
+              </a:cxn>
+              <a:cxn ang="0">
+                <a:pos x="connsiteX5" y="connsiteY5"/>
+              </a:cxn>
+              <a:cxn ang="0">
+                <a:pos x="connsiteX6" y="connsiteY6"/>
+              </a:cxn>
+              <a:cxn ang="0">
+                <a:pos x="connsiteX7" y="connsiteY7"/>
+              </a:cxn>
+              <a:cxn ang="0">
+                <a:pos x="connsiteX8" y="connsiteY8"/>
+              </a:cxn>
+              <a:cxn ang="0">
+                <a:pos x="connsiteX9" y="connsiteY9"/>
+              </a:cxn>
+              <a:cxn ang="0">
+                <a:pos x="connsiteX10" y="connsiteY10"/>
+              </a:cxn>
+              <a:cxn ang="0">
+                <a:pos x="connsiteX11" y="connsiteY11"/>
+              </a:cxn>
+              <a:cxn ang="0">
+                <a:pos x="connsiteX12" y="connsiteY12"/>
+              </a:cxn>
+              <a:cxn ang="0">
+                <a:pos x="connsiteX13" y="connsiteY13"/>
+              </a:cxn>
+              <a:cxn ang="0">
+                <a:pos x="connsiteX14" y="connsiteY14"/>
+              </a:cxn>
+              <a:cxn ang="0">
+                <a:pos x="connsiteX15" y="connsiteY15"/>
+              </a:cxn>
+              <a:cxn ang="0">
+                <a:pos x="connsiteX16" y="connsiteY16"/>
+              </a:cxn>
+              <a:cxn ang="0">
+                <a:pos x="connsiteX17" y="connsiteY17"/>
+              </a:cxn>
+              <a:cxn ang="0">
+                <a:pos x="connsiteX18" y="connsiteY18"/>
+              </a:cxn>
+              <a:cxn ang="0">
+                <a:pos x="connsiteX19" y="connsiteY19"/>
+              </a:cxn>
+              <a:cxn ang="0">
+                <a:pos x="connsiteX20" y="connsiteY20"/>
+              </a:cxn>
+              <a:cxn ang="0">
+                <a:pos x="connsiteX21" y="connsiteY21"/>
+              </a:cxn>
+              <a:cxn ang="0">
+                <a:pos x="connsiteX22" y="connsiteY22"/>
+              </a:cxn>
+              <a:cxn ang="0">
+                <a:pos x="connsiteX23" y="connsiteY23"/>
+              </a:cxn>
+              <a:cxn ang="0">
+                <a:pos x="connsiteX24" y="connsiteY24"/>
+              </a:cxn>
+              <a:cxn ang="0">
+                <a:pos x="connsiteX25" y="connsiteY25"/>
+              </a:cxn>
+            </a:cxnLst>
+            <a:rect l="l" t="t" r="r" b="b"/>
+            <a:pathLst>
+              <a:path w="12331700" h="6934200">
+                <a:moveTo>
+                  <a:pt x="101600" y="0"/>
+                </a:moveTo>
+                <a:lnTo>
+                  <a:pt x="12306300" y="0"/>
+                </a:lnTo>
+                <a:cubicBezTo>
+                  <a:pt x="12314767" y="2311400"/>
+                  <a:pt x="12323233" y="4622800"/>
+                  <a:pt x="12331700" y="6934200"/>
+                </a:cubicBezTo>
+                <a:lnTo>
+                  <a:pt x="6985000" y="6896100"/>
+                </a:lnTo>
+                <a:lnTo>
+                  <a:pt x="7797800" y="6121400"/>
+                </a:lnTo>
+                <a:lnTo>
+                  <a:pt x="7886700" y="4686300"/>
+                </a:lnTo>
+                <a:lnTo>
+                  <a:pt x="9474200" y="5054600"/>
+                </a:lnTo>
+                <a:lnTo>
+                  <a:pt x="11137900" y="3073400"/>
+                </a:lnTo>
+                <a:lnTo>
+                  <a:pt x="10985500" y="1841500"/>
+                </a:lnTo>
+                <a:lnTo>
+                  <a:pt x="11366500" y="800100"/>
+                </a:lnTo>
+                <a:lnTo>
+                  <a:pt x="9537700" y="584200"/>
+                </a:lnTo>
+                <a:lnTo>
+                  <a:pt x="8382000" y="990600"/>
+                </a:lnTo>
+                <a:lnTo>
+                  <a:pt x="4318000" y="444500"/>
+                </a:lnTo>
+                <a:lnTo>
+                  <a:pt x="2362200" y="1016000"/>
+                </a:lnTo>
+                <a:lnTo>
+                  <a:pt x="1320800" y="2095500"/>
+                </a:lnTo>
+                <a:lnTo>
+                  <a:pt x="1866900" y="3517900"/>
+                </a:lnTo>
+                <a:lnTo>
+                  <a:pt x="1168400" y="4025900"/>
+                </a:lnTo>
+                <a:lnTo>
+                  <a:pt x="2489200" y="4953000"/>
+                </a:lnTo>
+                <a:lnTo>
+                  <a:pt x="3403600" y="4457700"/>
+                </a:lnTo>
+                <a:lnTo>
+                  <a:pt x="5181600" y="5105400"/>
+                </a:lnTo>
+                <a:lnTo>
+                  <a:pt x="5575300" y="5918200"/>
+                </a:lnTo>
+                <a:lnTo>
+                  <a:pt x="6197600" y="6083300"/>
+                </a:lnTo>
+                <a:lnTo>
+                  <a:pt x="6896100" y="6807200"/>
+                </a:lnTo>
+                <a:lnTo>
+                  <a:pt x="6756400" y="6870700"/>
+                </a:lnTo>
+                <a:lnTo>
+                  <a:pt x="0" y="6921500"/>
+                </a:lnTo>
+                <a:lnTo>
+                  <a:pt x="101600" y="0"/>
+                </a:lnTo>
+                <a:close/>
+              </a:path>
+            </a:pathLst>
+          </a:custGeom>
+          <a:blipFill dpi="0" rotWithShape="1">
+            <a:blip r:embed="rId3"/>
+            <a:srcRect/>
+            <a:tile tx="0" ty="0" sx="100000" sy="100000" flip="none" algn="tl"/>
+          </a:blipFill>
+          <a:ln w="41275" cap="rnd">
+            <a:solidFill>
+              <a:srgbClr val="FF0000"/>
+            </a:solidFill>
+            <a:prstDash val="dashDot"/>
+          </a:ln>
+        </p:spPr>
+        <p:style>
+          <a:lnRef idx="2">
+            <a:schemeClr val="accent1">
+              <a:shade val="50000"/>
+            </a:schemeClr>
+          </a:lnRef>
+          <a:fillRef idx="1">
+            <a:schemeClr val="accent1"/>
+          </a:fillRef>
+          <a:effectRef idx="0">
+            <a:schemeClr val="accent1"/>
+          </a:effectRef>
+          <a:fontRef idx="minor">
+            <a:schemeClr val="lt1"/>
+          </a:fontRef>
+        </p:style>
+        <p:txBody>
+          <a:bodyPr rtlCol="0" anchor="ctr"/>
+          <a:lstStyle/>
+          <a:p>
+            <a:pPr algn="ctr"/>
+            <a:endParaRPr lang="en-AU"/>
+          </a:p>
+        </p:txBody>
+      </p:sp>
+      <p:sp>
+        <p:nvSpPr>
+          <p:cNvPr id="3" name="Subtitle 2"/>
+          <p:cNvSpPr>
+            <a:spLocks noGrp="1"/>
+          </p:cNvSpPr>
+          <p:nvPr>
+            <p:ph type="subTitle" idx="1"/>
+          </p:nvPr>
+        </p:nvSpPr>
+        <p:spPr>
+          <a:xfrm>
+            <a:off x="-3523934" y="6578894"/>
+            <a:ext cx="9144000" cy="1655762"/>
+          </a:xfrm>
+        </p:spPr>
         <p:txBody>
           <a:bodyPr/>
           <a:lstStyle/>
           <a:p>
             <a:r>
               <a:rPr lang="en-AU" dirty="0" smtClean="0"/>
-              <a:t>Asians</a:t>
+              <a:t>By Luke Verhagen</a:t>
             </a:r>
             <a:endParaRPr lang="en-AU" dirty="0"/>
-          </a:p>
-        </p:txBody>
-      </p:sp>
-      <p:sp>
-        <p:nvSpPr>
-          <p:cNvPr id="3" name="Subtitle 2"/>
-          <p:cNvSpPr>
-            <a:spLocks noGrp="1"/>
-          </p:cNvSpPr>
-          <p:nvPr>
-            <p:ph type="subTitle" idx="1"/>
-          </p:nvPr>
-        </p:nvSpPr>
-        <p:spPr/>
-        <p:txBody>
-          <a:bodyPr/>
-          <a:lstStyle/>
-          <a:p>
-            <a:r>
-              <a:rPr lang="en-AU" smtClean="0"/>
-              <a:t>Asiansw</a:t>
-            </a:r>
-            <a:endParaRPr lang="en-AU"/>
           </a:p>
         </p:txBody>
       </p:sp>
